--- a/Final_slides/E10.pptx
+++ b/Final_slides/E10.pptx
@@ -261,7 +261,7 @@
           <a:p>
             <a:fld id="{B4C28AC4-99A7-4D36-B68D-C1E21F634D48}" type="datetimeFigureOut">
               <a:rPr lang="en-GB" smtClean="0"/>
-              <a:t>01/01/2024</a:t>
+              <a:t>02/01/2024</a:t>
             </a:fld>
             <a:endParaRPr lang="en-GB"/>
           </a:p>
@@ -459,7 +459,7 @@
           <a:p>
             <a:fld id="{B4C28AC4-99A7-4D36-B68D-C1E21F634D48}" type="datetimeFigureOut">
               <a:rPr lang="en-GB" smtClean="0"/>
-              <a:t>01/01/2024</a:t>
+              <a:t>02/01/2024</a:t>
             </a:fld>
             <a:endParaRPr lang="en-GB"/>
           </a:p>
@@ -667,7 +667,7 @@
           <a:p>
             <a:fld id="{B4C28AC4-99A7-4D36-B68D-C1E21F634D48}" type="datetimeFigureOut">
               <a:rPr lang="en-GB" smtClean="0"/>
-              <a:t>01/01/2024</a:t>
+              <a:t>02/01/2024</a:t>
             </a:fld>
             <a:endParaRPr lang="en-GB"/>
           </a:p>
@@ -865,7 +865,7 @@
           <a:p>
             <a:fld id="{B4C28AC4-99A7-4D36-B68D-C1E21F634D48}" type="datetimeFigureOut">
               <a:rPr lang="en-GB" smtClean="0"/>
-              <a:t>01/01/2024</a:t>
+              <a:t>02/01/2024</a:t>
             </a:fld>
             <a:endParaRPr lang="en-GB"/>
           </a:p>
@@ -1140,7 +1140,7 @@
           <a:p>
             <a:fld id="{B4C28AC4-99A7-4D36-B68D-C1E21F634D48}" type="datetimeFigureOut">
               <a:rPr lang="en-GB" smtClean="0"/>
-              <a:t>01/01/2024</a:t>
+              <a:t>02/01/2024</a:t>
             </a:fld>
             <a:endParaRPr lang="en-GB"/>
           </a:p>
@@ -1405,7 +1405,7 @@
           <a:p>
             <a:fld id="{B4C28AC4-99A7-4D36-B68D-C1E21F634D48}" type="datetimeFigureOut">
               <a:rPr lang="en-GB" smtClean="0"/>
-              <a:t>01/01/2024</a:t>
+              <a:t>02/01/2024</a:t>
             </a:fld>
             <a:endParaRPr lang="en-GB"/>
           </a:p>
@@ -1817,7 +1817,7 @@
           <a:p>
             <a:fld id="{B4C28AC4-99A7-4D36-B68D-C1E21F634D48}" type="datetimeFigureOut">
               <a:rPr lang="en-GB" smtClean="0"/>
-              <a:t>01/01/2024</a:t>
+              <a:t>02/01/2024</a:t>
             </a:fld>
             <a:endParaRPr lang="en-GB"/>
           </a:p>
@@ -1958,7 +1958,7 @@
           <a:p>
             <a:fld id="{B4C28AC4-99A7-4D36-B68D-C1E21F634D48}" type="datetimeFigureOut">
               <a:rPr lang="en-GB" smtClean="0"/>
-              <a:t>01/01/2024</a:t>
+              <a:t>02/01/2024</a:t>
             </a:fld>
             <a:endParaRPr lang="en-GB"/>
           </a:p>
@@ -2071,7 +2071,7 @@
           <a:p>
             <a:fld id="{B4C28AC4-99A7-4D36-B68D-C1E21F634D48}" type="datetimeFigureOut">
               <a:rPr lang="en-GB" smtClean="0"/>
-              <a:t>01/01/2024</a:t>
+              <a:t>02/01/2024</a:t>
             </a:fld>
             <a:endParaRPr lang="en-GB"/>
           </a:p>
@@ -2382,7 +2382,7 @@
           <a:p>
             <a:fld id="{B4C28AC4-99A7-4D36-B68D-C1E21F634D48}" type="datetimeFigureOut">
               <a:rPr lang="en-GB" smtClean="0"/>
-              <a:t>01/01/2024</a:t>
+              <a:t>02/01/2024</a:t>
             </a:fld>
             <a:endParaRPr lang="en-GB"/>
           </a:p>
@@ -2670,7 +2670,7 @@
           <a:p>
             <a:fld id="{B4C28AC4-99A7-4D36-B68D-C1E21F634D48}" type="datetimeFigureOut">
               <a:rPr lang="en-GB" smtClean="0"/>
-              <a:t>01/01/2024</a:t>
+              <a:t>02/01/2024</a:t>
             </a:fld>
             <a:endParaRPr lang="en-GB"/>
           </a:p>
@@ -2914,7 +2914,7 @@
           <a:p>
             <a:fld id="{B4C28AC4-99A7-4D36-B68D-C1E21F634D48}" type="datetimeFigureOut">
               <a:rPr lang="en-GB" smtClean="0"/>
-              <a:t>01/01/2024</a:t>
+              <a:t>02/01/2024</a:t>
             </a:fld>
             <a:endParaRPr lang="en-GB"/>
           </a:p>
@@ -3358,7 +3358,7 @@
                   <a:schemeClr val="bg1"/>
                 </a:solidFill>
               </a:rPr>
-              <a:t>Exercise 10</a:t>
+              <a:t>Exercise E10</a:t>
             </a:r>
           </a:p>
         </p:txBody>
@@ -3449,7 +3449,7 @@
                   <a:schemeClr val="bg1"/>
                 </a:solidFill>
               </a:rPr>
-              <a:t>Exercise 10</a:t>
+              <a:t>Exercise E10</a:t>
             </a:r>
           </a:p>
         </p:txBody>
@@ -3540,13 +3540,18 @@
           <a:lstStyle/>
           <a:p>
             <a:r>
-              <a:rPr lang="en-GB" dirty="0">
+              <a:rPr lang="en-GB">
                 <a:solidFill>
                   <a:schemeClr val="bg1"/>
                 </a:solidFill>
               </a:rPr>
-              <a:t>Exercise 10</a:t>
-            </a:r>
+              <a:t>Exercise E10</a:t>
+            </a:r>
+            <a:endParaRPr lang="en-GB" dirty="0">
+              <a:solidFill>
+                <a:schemeClr val="bg1"/>
+              </a:solidFill>
+            </a:endParaRPr>
           </a:p>
         </p:txBody>
       </p:sp>
